--- a/pdf/2021-tutorial-saxpy.pptx
+++ b/pdf/2021-tutorial-saxpy.pptx
@@ -121,6 +121,11 @@
       </a:defRPr>
     </a:lvl9pPr>
   </p:defaultTextStyle>
+  <p:extLst>
+    <p:ext uri="{EFAFB233-063F-42B5-8137-9DF3F51BA10A}">
+      <p15:sldGuideLst xmlns:p15="http://schemas.microsoft.com/office/powerpoint/2012/main"/>
+    </p:ext>
+  </p:extLst>
 </p:presentation>
 </file>
 
@@ -206,7 +211,7 @@
           <a:p>
             <a:fld id="{1EDA9BAB-1E5B-DB4E-8338-CEE3E088BBF2}" type="datetimeFigureOut">
               <a:rPr lang="en-US" smtClean="0"/>
-              <a:t>10/20/21</a:t>
+              <a:t>10/21/21</a:t>
             </a:fld>
             <a:endParaRPr lang="en-US"/>
           </a:p>
@@ -620,7 +625,7 @@
           <a:p>
             <a:fld id="{1B33769E-78B8-B543-A381-83987452810A}" type="datetime1">
               <a:rPr lang="en-US" smtClean="0"/>
-              <a:t>10/20/21</a:t>
+              <a:t>10/21/21</a:t>
             </a:fld>
             <a:endParaRPr lang="en-US"/>
           </a:p>
@@ -821,7 +826,7 @@
           <a:p>
             <a:fld id="{D054017F-C86B-0547-BD37-C569A753CD02}" type="datetime1">
               <a:rPr lang="en-US" smtClean="0"/>
-              <a:t>10/20/21</a:t>
+              <a:t>10/21/21</a:t>
             </a:fld>
             <a:endParaRPr lang="en-US"/>
           </a:p>
@@ -1032,7 +1037,7 @@
           <a:p>
             <a:fld id="{58A0A604-4676-5242-AEE4-ACE7F5532C6F}" type="datetime1">
               <a:rPr lang="en-US" smtClean="0"/>
-              <a:t>10/20/21</a:t>
+              <a:t>10/21/21</a:t>
             </a:fld>
             <a:endParaRPr lang="en-US"/>
           </a:p>
@@ -1233,7 +1238,7 @@
           <a:p>
             <a:fld id="{FF8A7767-DF6E-2C40-8345-9C769BD1B208}" type="datetime1">
               <a:rPr lang="en-US" smtClean="0"/>
-              <a:t>10/20/21</a:t>
+              <a:t>10/21/21</a:t>
             </a:fld>
             <a:endParaRPr lang="en-US"/>
           </a:p>
@@ -1511,7 +1516,7 @@
           <a:p>
             <a:fld id="{87C53E76-67D9-5940-9BA7-1D967E722197}" type="datetime1">
               <a:rPr lang="en-US" smtClean="0"/>
-              <a:t>10/20/21</a:t>
+              <a:t>10/21/21</a:t>
             </a:fld>
             <a:endParaRPr lang="en-US"/>
           </a:p>
@@ -1779,7 +1784,7 @@
           <a:p>
             <a:fld id="{B11517D6-63F8-AB4D-BDA4-DD81C65D14AB}" type="datetime1">
               <a:rPr lang="en-US" smtClean="0"/>
-              <a:t>10/20/21</a:t>
+              <a:t>10/21/21</a:t>
             </a:fld>
             <a:endParaRPr lang="en-US"/>
           </a:p>
@@ -2194,7 +2199,7 @@
           <a:p>
             <a:fld id="{1191F878-CB70-0143-9D37-E437554CFC81}" type="datetime1">
               <a:rPr lang="en-US" smtClean="0"/>
-              <a:t>10/20/21</a:t>
+              <a:t>10/21/21</a:t>
             </a:fld>
             <a:endParaRPr lang="en-US"/>
           </a:p>
@@ -2338,7 +2343,7 @@
           <a:p>
             <a:fld id="{95FA4374-46F9-3D4E-BEB8-B5316B41AA06}" type="datetime1">
               <a:rPr lang="en-US" smtClean="0"/>
-              <a:t>10/20/21</a:t>
+              <a:t>10/21/21</a:t>
             </a:fld>
             <a:endParaRPr lang="en-US"/>
           </a:p>
@@ -2454,7 +2459,7 @@
           <a:p>
             <a:fld id="{89020447-6BAC-D445-B634-5BB6F57E963D}" type="datetime1">
               <a:rPr lang="en-US" smtClean="0"/>
-              <a:t>10/20/21</a:t>
+              <a:t>10/21/21</a:t>
             </a:fld>
             <a:endParaRPr lang="en-US"/>
           </a:p>
@@ -2768,7 +2773,7 @@
           <a:p>
             <a:fld id="{44328AE0-8A83-3B47-B62E-696B1B07FE7D}" type="datetime1">
               <a:rPr lang="en-US" smtClean="0"/>
-              <a:t>10/20/21</a:t>
+              <a:t>10/21/21</a:t>
             </a:fld>
             <a:endParaRPr lang="en-US"/>
           </a:p>
@@ -3059,7 +3064,7 @@
           <a:p>
             <a:fld id="{8BDCD24F-893A-3342-81DE-00989CB07A6D}" type="datetime1">
               <a:rPr lang="en-US" smtClean="0"/>
-              <a:t>10/20/21</a:t>
+              <a:t>10/21/21</a:t>
             </a:fld>
             <a:endParaRPr lang="en-US"/>
           </a:p>
@@ -3306,7 +3311,7 @@
           <a:p>
             <a:fld id="{F3EF6822-5B24-D742-8ACB-A3F886D2ADA8}" type="datetime1">
               <a:rPr lang="en-US" smtClean="0"/>
-              <a:t>10/20/21</a:t>
+              <a:t>10/21/21</a:t>
             </a:fld>
             <a:endParaRPr lang="en-US"/>
           </a:p>
@@ -4501,7 +4506,7 @@
                 <a:ea typeface="DEJAVU SANS MONO FOR POWERLINE" panose="020B0609030804020204" pitchFamily="49" charset="0"/>
                 <a:cs typeface="DEJAVU SANS MONO FOR POWERLINE" panose="020B0609030804020204" pitchFamily="49" charset="0"/>
               </a:rPr>
-              <a:t>iris_cpu</a:t>
+              <a:t>iris_gpu</a:t>
             </a:r>
             <a:r>
               <a:rPr lang="en-US" sz="1200" dirty="0">
@@ -5010,7 +5015,7 @@
                 <a:ea typeface="DEJAVU SANS MONO FOR POWERLINE" panose="020B0609030804020204" pitchFamily="49" charset="0"/>
                 <a:cs typeface="DEJAVU SANS MONO FOR POWERLINE" panose="020B0609030804020204" pitchFamily="49" charset="0"/>
               </a:rPr>
-              <a:t>iris_gpu</a:t>
+              <a:t>iris_cpu</a:t>
             </a:r>
             <a:r>
               <a:rPr lang="en-US" sz="1200" dirty="0">
@@ -5165,7 +5170,7 @@
             <a:pPr algn="ctr"/>
             <a:r>
               <a:rPr lang="en-US" dirty="0"/>
-              <a:t>CPU</a:t>
+              <a:t>GPU</a:t>
             </a:r>
           </a:p>
         </p:txBody>
@@ -5270,7 +5275,7 @@
             <a:pPr algn="ctr"/>
             <a:r>
               <a:rPr lang="en-US" dirty="0"/>
-              <a:t>GPU</a:t>
+              <a:t>CPU</a:t>
             </a:r>
           </a:p>
         </p:txBody>
@@ -6421,7 +6426,7 @@
                 <a:ea typeface="DEJAVU SANS MONO FOR POWERLINE" panose="020B0609030804020204" pitchFamily="49" charset="0"/>
                 <a:cs typeface="DEJAVU SANS MONO FOR POWERLINE" panose="020B0609030804020204" pitchFamily="49" charset="0"/>
               </a:rPr>
-              <a:t>iris_cpu</a:t>
+              <a:t>iris_gpu</a:t>
             </a:r>
             <a:r>
               <a:rPr lang="en-US" sz="1200" dirty="0">
@@ -7085,7 +7090,7 @@
             <a:pPr algn="ctr"/>
             <a:r>
               <a:rPr lang="en-US" dirty="0"/>
-              <a:t>CPU</a:t>
+              <a:t>GPU</a:t>
             </a:r>
           </a:p>
         </p:txBody>
@@ -7190,7 +7195,7 @@
             <a:pPr algn="ctr"/>
             <a:r>
               <a:rPr lang="en-US" dirty="0"/>
-              <a:t>CPU </a:t>
+              <a:t>GPU </a:t>
             </a:r>
             <a:r>
               <a:rPr lang="en-US" dirty="0">
@@ -7580,7 +7585,7 @@
         <p:spPr>
           <a:xfrm>
             <a:off x="997527" y="2333308"/>
-            <a:ext cx="4370120" cy="4209996"/>
+            <a:ext cx="4389120" cy="4023360"/>
           </a:xfrm>
           <a:prstGeom prst="roundRect">
             <a:avLst>
@@ -7619,7 +7624,7 @@
           </a:fontRef>
         </p:style>
         <p:txBody>
-          <a:bodyPr bIns="182880" rtlCol="0" anchor="b" anchorCtr="0"/>
+          <a:bodyPr bIns="91440" rtlCol="0" anchor="b" anchorCtr="0"/>
           <a:lstStyle/>
           <a:p>
             <a:pPr algn="ctr"/>
@@ -8244,7 +8249,7 @@
                 <a:ea typeface="DEJAVU SANS MONO FOR POWERLINE" panose="020B0609030804020204" pitchFamily="49" charset="0"/>
                 <a:cs typeface="DEJAVU SANS MONO FOR POWERLINE" panose="020B0609030804020204" pitchFamily="49" charset="0"/>
               </a:rPr>
-              <a:t>iris_cpu</a:t>
+              <a:t>iris_gpu</a:t>
             </a:r>
             <a:r>
               <a:rPr lang="en-US" sz="1200" dirty="0">
@@ -8608,7 +8613,7 @@
                 <a:ea typeface="DEJAVU SANS MONO FOR POWERLINE" panose="020B0609030804020204" pitchFamily="49" charset="0"/>
                 <a:cs typeface="DEJAVU SANS MONO FOR POWERLINE" panose="020B0609030804020204" pitchFamily="49" charset="0"/>
               </a:rPr>
-              <a:t>iris_gpu</a:t>
+              <a:t>iris_locality</a:t>
             </a:r>
             <a:r>
               <a:rPr lang="en-US" sz="1200" dirty="0">
@@ -9094,7 +9099,7 @@
         <p:spPr>
           <a:xfrm>
             <a:off x="997527" y="2333308"/>
-            <a:ext cx="4370120" cy="4209996"/>
+            <a:ext cx="4389120" cy="4023360"/>
           </a:xfrm>
           <a:prstGeom prst="roundRect">
             <a:avLst>
@@ -9133,7 +9138,7 @@
           </a:fontRef>
         </p:style>
         <p:txBody>
-          <a:bodyPr bIns="182880" rtlCol="0" anchor="b" anchorCtr="0"/>
+          <a:bodyPr bIns="91440" rtlCol="0" anchor="b" anchorCtr="0"/>
           <a:lstStyle/>
           <a:p>
             <a:pPr algn="ctr"/>
@@ -10028,7 +10033,7 @@
         <p:spPr>
           <a:xfrm>
             <a:off x="997527" y="2333308"/>
-            <a:ext cx="4370120" cy="4209996"/>
+            <a:ext cx="4389120" cy="4023360"/>
           </a:xfrm>
           <a:prstGeom prst="roundRect">
             <a:avLst>
@@ -10067,7 +10072,7 @@
           </a:fontRef>
         </p:style>
         <p:txBody>
-          <a:bodyPr bIns="182880" rtlCol="0" anchor="b" anchorCtr="0"/>
+          <a:bodyPr bIns="91440" rtlCol="0" anchor="b" anchorCtr="0"/>
           <a:lstStyle/>
           <a:p>
             <a:pPr algn="ctr"/>
@@ -10965,7 +10970,7 @@
                 <a:ea typeface="DEJAVU SANS MONO FOR POWERLINE" panose="020B0609030804020204" pitchFamily="49" charset="0"/>
                 <a:cs typeface="DEJAVU SANS MONO FOR POWERLINE" panose="020B0609030804020204" pitchFamily="49" charset="0"/>
               </a:rPr>
-              <a:t>cpu</a:t>
+              <a:t>iris_gpu</a:t>
             </a:r>
             <a:r>
               <a:rPr lang="en-US" sz="1100" dirty="0">
@@ -11249,7 +11254,7 @@
                 <a:ea typeface="DEJAVU SANS MONO FOR POWERLINE" panose="020B0609030804020204" pitchFamily="49" charset="0"/>
                 <a:cs typeface="DEJAVU SANS MONO FOR POWERLINE" panose="020B0609030804020204" pitchFamily="49" charset="0"/>
               </a:rPr>
-              <a:t>gpu</a:t>
+              <a:t>iris_locality</a:t>
             </a:r>
             <a:r>
               <a:rPr lang="en-US" sz="1100" dirty="0">
@@ -13215,7 +13220,7 @@
                 <a:ea typeface="DEJAVU SANS MONO FOR POWERLINE" panose="020B0609030804020204" pitchFamily="49" charset="0"/>
                 <a:cs typeface="DEJAVU SANS MONO FOR POWERLINE" panose="020B0609030804020204" pitchFamily="49" charset="0"/>
               </a:rPr>
-              <a:t>  int id = </a:t>
+              <a:t>  int </a:t>
             </a:r>
             <a:r>
               <a:rPr lang="en-US" sz="1400" dirty="0" err="1">
@@ -13223,6 +13228,22 @@
                 <a:ea typeface="DEJAVU SANS MONO FOR POWERLINE" panose="020B0609030804020204" pitchFamily="49" charset="0"/>
                 <a:cs typeface="DEJAVU SANS MONO FOR POWERLINE" panose="020B0609030804020204" pitchFamily="49" charset="0"/>
               </a:rPr>
+              <a:t>i</a:t>
+            </a:r>
+            <a:r>
+              <a:rPr lang="en-US" sz="1400" dirty="0">
+                <a:latin typeface="DEJAVU SANS MONO FOR POWERLINE" panose="020B0609030804020204" pitchFamily="49" charset="0"/>
+                <a:ea typeface="DEJAVU SANS MONO FOR POWERLINE" panose="020B0609030804020204" pitchFamily="49" charset="0"/>
+                <a:cs typeface="DEJAVU SANS MONO FOR POWERLINE" panose="020B0609030804020204" pitchFamily="49" charset="0"/>
+              </a:rPr>
+              <a:t> = </a:t>
+            </a:r>
+            <a:r>
+              <a:rPr lang="en-US" sz="1400" dirty="0" err="1">
+                <a:latin typeface="DEJAVU SANS MONO FOR POWERLINE" panose="020B0609030804020204" pitchFamily="49" charset="0"/>
+                <a:ea typeface="DEJAVU SANS MONO FOR POWERLINE" panose="020B0609030804020204" pitchFamily="49" charset="0"/>
+                <a:cs typeface="DEJAVU SANS MONO FOR POWERLINE" panose="020B0609030804020204" pitchFamily="49" charset="0"/>
+              </a:rPr>
               <a:t>blockIdx.x</a:t>
             </a:r>
             <a:r>
@@ -13273,7 +13294,55 @@
                 <a:ea typeface="DEJAVU SANS MONO FOR POWERLINE" panose="020B0609030804020204" pitchFamily="49" charset="0"/>
                 <a:cs typeface="DEJAVU SANS MONO FOR POWERLINE" panose="020B0609030804020204" pitchFamily="49" charset="0"/>
               </a:rPr>
-              <a:t>  S[id] = A * X[id] + Y[id];</a:t>
+              <a:t>  S[</a:t>
+            </a:r>
+            <a:r>
+              <a:rPr lang="en-US" sz="1400" dirty="0" err="1">
+                <a:latin typeface="DEJAVU SANS MONO FOR POWERLINE" panose="020B0609030804020204" pitchFamily="49" charset="0"/>
+                <a:ea typeface="DEJAVU SANS MONO FOR POWERLINE" panose="020B0609030804020204" pitchFamily="49" charset="0"/>
+                <a:cs typeface="DEJAVU SANS MONO FOR POWERLINE" panose="020B0609030804020204" pitchFamily="49" charset="0"/>
+              </a:rPr>
+              <a:t>i</a:t>
+            </a:r>
+            <a:r>
+              <a:rPr lang="en-US" sz="1400" dirty="0">
+                <a:latin typeface="DEJAVU SANS MONO FOR POWERLINE" panose="020B0609030804020204" pitchFamily="49" charset="0"/>
+                <a:ea typeface="DEJAVU SANS MONO FOR POWERLINE" panose="020B0609030804020204" pitchFamily="49" charset="0"/>
+                <a:cs typeface="DEJAVU SANS MONO FOR POWERLINE" panose="020B0609030804020204" pitchFamily="49" charset="0"/>
+              </a:rPr>
+              <a:t>] = A * X[</a:t>
+            </a:r>
+            <a:r>
+              <a:rPr lang="en-US" sz="1400" dirty="0" err="1">
+                <a:latin typeface="DEJAVU SANS MONO FOR POWERLINE" panose="020B0609030804020204" pitchFamily="49" charset="0"/>
+                <a:ea typeface="DEJAVU SANS MONO FOR POWERLINE" panose="020B0609030804020204" pitchFamily="49" charset="0"/>
+                <a:cs typeface="DEJAVU SANS MONO FOR POWERLINE" panose="020B0609030804020204" pitchFamily="49" charset="0"/>
+              </a:rPr>
+              <a:t>i</a:t>
+            </a:r>
+            <a:r>
+              <a:rPr lang="en-US" sz="1400" dirty="0">
+                <a:latin typeface="DEJAVU SANS MONO FOR POWERLINE" panose="020B0609030804020204" pitchFamily="49" charset="0"/>
+                <a:ea typeface="DEJAVU SANS MONO FOR POWERLINE" panose="020B0609030804020204" pitchFamily="49" charset="0"/>
+                <a:cs typeface="DEJAVU SANS MONO FOR POWERLINE" panose="020B0609030804020204" pitchFamily="49" charset="0"/>
+              </a:rPr>
+              <a:t>] + Y[</a:t>
+            </a:r>
+            <a:r>
+              <a:rPr lang="en-US" sz="1400" dirty="0" err="1">
+                <a:latin typeface="DEJAVU SANS MONO FOR POWERLINE" panose="020B0609030804020204" pitchFamily="49" charset="0"/>
+                <a:ea typeface="DEJAVU SANS MONO FOR POWERLINE" panose="020B0609030804020204" pitchFamily="49" charset="0"/>
+                <a:cs typeface="DEJAVU SANS MONO FOR POWERLINE" panose="020B0609030804020204" pitchFamily="49" charset="0"/>
+              </a:rPr>
+              <a:t>i</a:t>
+            </a:r>
+            <a:r>
+              <a:rPr lang="en-US" sz="1400" dirty="0">
+                <a:latin typeface="DEJAVU SANS MONO FOR POWERLINE" panose="020B0609030804020204" pitchFamily="49" charset="0"/>
+                <a:ea typeface="DEJAVU SANS MONO FOR POWERLINE" panose="020B0609030804020204" pitchFamily="49" charset="0"/>
+                <a:cs typeface="DEJAVU SANS MONO FOR POWERLINE" panose="020B0609030804020204" pitchFamily="49" charset="0"/>
+              </a:rPr>
+              <a:t>];</a:t>
             </a:r>
           </a:p>
           <a:p>
@@ -15790,7 +15859,7 @@
                 <a:ea typeface="DEJAVU SANS MONO FOR POWERLINE" panose="020B0609030804020204" pitchFamily="49" charset="0"/>
                 <a:cs typeface="DEJAVU SANS MONO FOR POWERLINE" panose="020B0609030804020204" pitchFamily="49" charset="0"/>
               </a:rPr>
-              <a:t>  int id = </a:t>
+              <a:t>  int </a:t>
             </a:r>
             <a:r>
               <a:rPr lang="en-US" sz="1400" dirty="0" err="1">
@@ -15798,6 +15867,22 @@
                 <a:ea typeface="DEJAVU SANS MONO FOR POWERLINE" panose="020B0609030804020204" pitchFamily="49" charset="0"/>
                 <a:cs typeface="DEJAVU SANS MONO FOR POWERLINE" panose="020B0609030804020204" pitchFamily="49" charset="0"/>
               </a:rPr>
+              <a:t>i</a:t>
+            </a:r>
+            <a:r>
+              <a:rPr lang="en-US" sz="1400" dirty="0">
+                <a:latin typeface="DEJAVU SANS MONO FOR POWERLINE" panose="020B0609030804020204" pitchFamily="49" charset="0"/>
+                <a:ea typeface="DEJAVU SANS MONO FOR POWERLINE" panose="020B0609030804020204" pitchFamily="49" charset="0"/>
+                <a:cs typeface="DEJAVU SANS MONO FOR POWERLINE" panose="020B0609030804020204" pitchFamily="49" charset="0"/>
+              </a:rPr>
+              <a:t> = </a:t>
+            </a:r>
+            <a:r>
+              <a:rPr lang="en-US" sz="1400" dirty="0" err="1">
+                <a:latin typeface="DEJAVU SANS MONO FOR POWERLINE" panose="020B0609030804020204" pitchFamily="49" charset="0"/>
+                <a:ea typeface="DEJAVU SANS MONO FOR POWERLINE" panose="020B0609030804020204" pitchFamily="49" charset="0"/>
+                <a:cs typeface="DEJAVU SANS MONO FOR POWERLINE" panose="020B0609030804020204" pitchFamily="49" charset="0"/>
+              </a:rPr>
               <a:t>blockIdx.x</a:t>
             </a:r>
             <a:r>
@@ -15848,7 +15933,39 @@
                 <a:ea typeface="DEJAVU SANS MONO FOR POWERLINE" panose="020B0609030804020204" pitchFamily="49" charset="0"/>
                 <a:cs typeface="DEJAVU SANS MONO FOR POWERLINE" panose="020B0609030804020204" pitchFamily="49" charset="0"/>
               </a:rPr>
-              <a:t>  S[id] = A * X[id];</a:t>
+              <a:t>  S[</a:t>
+            </a:r>
+            <a:r>
+              <a:rPr lang="en-US" sz="1400" dirty="0" err="1">
+                <a:latin typeface="DEJAVU SANS MONO FOR POWERLINE" panose="020B0609030804020204" pitchFamily="49" charset="0"/>
+                <a:ea typeface="DEJAVU SANS MONO FOR POWERLINE" panose="020B0609030804020204" pitchFamily="49" charset="0"/>
+                <a:cs typeface="DEJAVU SANS MONO FOR POWERLINE" panose="020B0609030804020204" pitchFamily="49" charset="0"/>
+              </a:rPr>
+              <a:t>i</a:t>
+            </a:r>
+            <a:r>
+              <a:rPr lang="en-US" sz="1400" dirty="0">
+                <a:latin typeface="DEJAVU SANS MONO FOR POWERLINE" panose="020B0609030804020204" pitchFamily="49" charset="0"/>
+                <a:ea typeface="DEJAVU SANS MONO FOR POWERLINE" panose="020B0609030804020204" pitchFamily="49" charset="0"/>
+                <a:cs typeface="DEJAVU SANS MONO FOR POWERLINE" panose="020B0609030804020204" pitchFamily="49" charset="0"/>
+              </a:rPr>
+              <a:t>] = A * X[</a:t>
+            </a:r>
+            <a:r>
+              <a:rPr lang="en-US" sz="1400" dirty="0" err="1">
+                <a:latin typeface="DEJAVU SANS MONO FOR POWERLINE" panose="020B0609030804020204" pitchFamily="49" charset="0"/>
+                <a:ea typeface="DEJAVU SANS MONO FOR POWERLINE" panose="020B0609030804020204" pitchFamily="49" charset="0"/>
+                <a:cs typeface="DEJAVU SANS MONO FOR POWERLINE" panose="020B0609030804020204" pitchFamily="49" charset="0"/>
+              </a:rPr>
+              <a:t>i</a:t>
+            </a:r>
+            <a:r>
+              <a:rPr lang="en-US" sz="1400" dirty="0">
+                <a:latin typeface="DEJAVU SANS MONO FOR POWERLINE" panose="020B0609030804020204" pitchFamily="49" charset="0"/>
+                <a:ea typeface="DEJAVU SANS MONO FOR POWERLINE" panose="020B0609030804020204" pitchFamily="49" charset="0"/>
+                <a:cs typeface="DEJAVU SANS MONO FOR POWERLINE" panose="020B0609030804020204" pitchFamily="49" charset="0"/>
+              </a:rPr>
+              <a:t>];</a:t>
             </a:r>
           </a:p>
           <a:p>
@@ -15885,7 +16002,7 @@
                 <a:ea typeface="DEJAVU SANS MONO FOR POWERLINE" panose="020B0609030804020204" pitchFamily="49" charset="0"/>
                 <a:cs typeface="DEJAVU SANS MONO FOR POWERLINE" panose="020B0609030804020204" pitchFamily="49" charset="0"/>
               </a:rPr>
-              <a:t>  int id = </a:t>
+              <a:t>  int </a:t>
             </a:r>
             <a:r>
               <a:rPr lang="en-US" sz="1400" dirty="0" err="1">
@@ -15893,6 +16010,22 @@
                 <a:ea typeface="DEJAVU SANS MONO FOR POWERLINE" panose="020B0609030804020204" pitchFamily="49" charset="0"/>
                 <a:cs typeface="DEJAVU SANS MONO FOR POWERLINE" panose="020B0609030804020204" pitchFamily="49" charset="0"/>
               </a:rPr>
+              <a:t>i</a:t>
+            </a:r>
+            <a:r>
+              <a:rPr lang="en-US" sz="1400" dirty="0">
+                <a:latin typeface="DEJAVU SANS MONO FOR POWERLINE" panose="020B0609030804020204" pitchFamily="49" charset="0"/>
+                <a:ea typeface="DEJAVU SANS MONO FOR POWERLINE" panose="020B0609030804020204" pitchFamily="49" charset="0"/>
+                <a:cs typeface="DEJAVU SANS MONO FOR POWERLINE" panose="020B0609030804020204" pitchFamily="49" charset="0"/>
+              </a:rPr>
+              <a:t> = </a:t>
+            </a:r>
+            <a:r>
+              <a:rPr lang="en-US" sz="1400" dirty="0" err="1">
+                <a:latin typeface="DEJAVU SANS MONO FOR POWERLINE" panose="020B0609030804020204" pitchFamily="49" charset="0"/>
+                <a:ea typeface="DEJAVU SANS MONO FOR POWERLINE" panose="020B0609030804020204" pitchFamily="49" charset="0"/>
+                <a:cs typeface="DEJAVU SANS MONO FOR POWERLINE" panose="020B0609030804020204" pitchFamily="49" charset="0"/>
+              </a:rPr>
               <a:t>blockIdx.x</a:t>
             </a:r>
             <a:r>
@@ -15943,7 +16076,39 @@
                 <a:ea typeface="DEJAVU SANS MONO FOR POWERLINE" panose="020B0609030804020204" pitchFamily="49" charset="0"/>
                 <a:cs typeface="DEJAVU SANS MONO FOR POWERLINE" panose="020B0609030804020204" pitchFamily="49" charset="0"/>
               </a:rPr>
-              <a:t>  S[id] += Y[id];</a:t>
+              <a:t>  S[</a:t>
+            </a:r>
+            <a:r>
+              <a:rPr lang="en-US" sz="1400" dirty="0" err="1">
+                <a:latin typeface="DEJAVU SANS MONO FOR POWERLINE" panose="020B0609030804020204" pitchFamily="49" charset="0"/>
+                <a:ea typeface="DEJAVU SANS MONO FOR POWERLINE" panose="020B0609030804020204" pitchFamily="49" charset="0"/>
+                <a:cs typeface="DEJAVU SANS MONO FOR POWERLINE" panose="020B0609030804020204" pitchFamily="49" charset="0"/>
+              </a:rPr>
+              <a:t>i</a:t>
+            </a:r>
+            <a:r>
+              <a:rPr lang="en-US" sz="1400" dirty="0">
+                <a:latin typeface="DEJAVU SANS MONO FOR POWERLINE" panose="020B0609030804020204" pitchFamily="49" charset="0"/>
+                <a:ea typeface="DEJAVU SANS MONO FOR POWERLINE" panose="020B0609030804020204" pitchFamily="49" charset="0"/>
+                <a:cs typeface="DEJAVU SANS MONO FOR POWERLINE" panose="020B0609030804020204" pitchFamily="49" charset="0"/>
+              </a:rPr>
+              <a:t>] += Y[</a:t>
+            </a:r>
+            <a:r>
+              <a:rPr lang="en-US" sz="1400" dirty="0" err="1">
+                <a:latin typeface="DEJAVU SANS MONO FOR POWERLINE" panose="020B0609030804020204" pitchFamily="49" charset="0"/>
+                <a:ea typeface="DEJAVU SANS MONO FOR POWERLINE" panose="020B0609030804020204" pitchFamily="49" charset="0"/>
+                <a:cs typeface="DEJAVU SANS MONO FOR POWERLINE" panose="020B0609030804020204" pitchFamily="49" charset="0"/>
+              </a:rPr>
+              <a:t>i</a:t>
+            </a:r>
+            <a:r>
+              <a:rPr lang="en-US" sz="1400" dirty="0">
+                <a:latin typeface="DEJAVU SANS MONO FOR POWERLINE" panose="020B0609030804020204" pitchFamily="49" charset="0"/>
+                <a:ea typeface="DEJAVU SANS MONO FOR POWERLINE" panose="020B0609030804020204" pitchFamily="49" charset="0"/>
+                <a:cs typeface="DEJAVU SANS MONO FOR POWERLINE" panose="020B0609030804020204" pitchFamily="49" charset="0"/>
+              </a:rPr>
+              <a:t>];</a:t>
             </a:r>
           </a:p>
           <a:p>
@@ -17838,7 +18003,7 @@
                 <a:ea typeface="DEJAVU SANS MONO FOR POWERLINE" panose="020B0609030804020204" pitchFamily="49" charset="0"/>
                 <a:cs typeface="DEJAVU SANS MONO FOR POWERLINE" panose="020B0609030804020204" pitchFamily="49" charset="0"/>
               </a:rPr>
-              <a:t>iris_cpu</a:t>
+              <a:t>iris_gpu</a:t>
             </a:r>
             <a:r>
               <a:rPr lang="en-US" sz="1200" dirty="0">
@@ -18344,7 +18509,7 @@
                 <a:ea typeface="DEJAVU SANS MONO FOR POWERLINE" panose="020B0609030804020204" pitchFamily="49" charset="0"/>
                 <a:cs typeface="DEJAVU SANS MONO FOR POWERLINE" panose="020B0609030804020204" pitchFamily="49" charset="0"/>
               </a:rPr>
-              <a:t>iris_gpu</a:t>
+              <a:t>iris_cpu</a:t>
             </a:r>
             <a:r>
               <a:rPr lang="en-US" sz="1200" dirty="0">
